--- a/ppt 16-9/0914.靠主能再会.pptx
+++ b/ppt 16-9/0914.靠主能再会.pptx
@@ -129,7 +129,7 @@
           <p:cNvPr id="2" name="标题 1">
             <a:extLst>
               <a:ext uri="{FF2B5EF4-FFF2-40B4-BE49-F238E27FC236}">
-                <a16:creationId xmlns:a16="http://schemas.microsoft.com/office/drawing/2014/main" id="{339C8C5F-F02A-C8A1-8969-32C746645436}"/>
+                <a16:creationId xmlns:a16="http://schemas.microsoft.com/office/drawing/2014/main" id="{017E320C-20D2-15F6-0DD3-58CFB88DB65E}"/>
               </a:ext>
             </a:extLst>
           </p:cNvPr>
@@ -166,7 +166,7 @@
           <p:cNvPr id="3" name="副标题 2">
             <a:extLst>
               <a:ext uri="{FF2B5EF4-FFF2-40B4-BE49-F238E27FC236}">
-                <a16:creationId xmlns:a16="http://schemas.microsoft.com/office/drawing/2014/main" id="{7A42F79C-8FEF-1D6C-A820-19FA2D2CFCB9}"/>
+                <a16:creationId xmlns:a16="http://schemas.microsoft.com/office/drawing/2014/main" id="{240A429E-DD70-DBF7-EEED-C5ECAFBAAE11}"/>
               </a:ext>
             </a:extLst>
           </p:cNvPr>
@@ -236,7 +236,7 @@
           <p:cNvPr id="4" name="日期占位符 3">
             <a:extLst>
               <a:ext uri="{FF2B5EF4-FFF2-40B4-BE49-F238E27FC236}">
-                <a16:creationId xmlns:a16="http://schemas.microsoft.com/office/drawing/2014/main" id="{BC9F4EC6-7BDC-0D9A-D048-93F7D5B1EA57}"/>
+                <a16:creationId xmlns:a16="http://schemas.microsoft.com/office/drawing/2014/main" id="{1580E036-C65F-63F6-52D3-DC296BE0C425}"/>
               </a:ext>
             </a:extLst>
           </p:cNvPr>
@@ -252,7 +252,7 @@
           <a:bodyPr/>
           <a:lstStyle/>
           <a:p>
-            <a:fld id="{E56D8CE8-B573-4AFC-B9A4-BA7BA8213378}" type="datetimeFigureOut">
+            <a:fld id="{F4F9F8BD-C80B-40E9-BDF7-419658E5312E}" type="datetimeFigureOut">
               <a:rPr lang="zh-CN" altLang="en-US" smtClean="0"/>
               <a:t>2024/3/10</a:t>
             </a:fld>
@@ -265,7 +265,7 @@
           <p:cNvPr id="5" name="页脚占位符 4">
             <a:extLst>
               <a:ext uri="{FF2B5EF4-FFF2-40B4-BE49-F238E27FC236}">
-                <a16:creationId xmlns:a16="http://schemas.microsoft.com/office/drawing/2014/main" id="{CCCA08EB-8855-FCE8-A516-D0B55A088392}"/>
+                <a16:creationId xmlns:a16="http://schemas.microsoft.com/office/drawing/2014/main" id="{F017EF8E-5B68-1276-8EEA-B4D82CFE15AC}"/>
               </a:ext>
             </a:extLst>
           </p:cNvPr>
@@ -290,7 +290,7 @@
           <p:cNvPr id="6" name="灯片编号占位符 5">
             <a:extLst>
               <a:ext uri="{FF2B5EF4-FFF2-40B4-BE49-F238E27FC236}">
-                <a16:creationId xmlns:a16="http://schemas.microsoft.com/office/drawing/2014/main" id="{F44EB365-D3FE-4861-B251-251ED5724AF5}"/>
+                <a16:creationId xmlns:a16="http://schemas.microsoft.com/office/drawing/2014/main" id="{308B33C7-2C4C-31C7-5645-6A2E8321D7E8}"/>
               </a:ext>
             </a:extLst>
           </p:cNvPr>
@@ -306,7 +306,7 @@
           <a:bodyPr/>
           <a:lstStyle/>
           <a:p>
-            <a:fld id="{FF395C1A-EF07-4DCA-A7B0-0510D0477C93}" type="slidenum">
+            <a:fld id="{84E6BC7F-0B71-451C-958C-018440C4D17E}" type="slidenum">
               <a:rPr lang="zh-CN" altLang="en-US" smtClean="0"/>
               <a:t>‹#›</a:t>
             </a:fld>
@@ -317,7 +317,7 @@
     </p:spTree>
     <p:extLst>
       <p:ext uri="{BB962C8B-B14F-4D97-AF65-F5344CB8AC3E}">
-        <p14:creationId xmlns:p14="http://schemas.microsoft.com/office/powerpoint/2010/main" val="536569090"/>
+        <p14:creationId xmlns:p14="http://schemas.microsoft.com/office/powerpoint/2010/main" val="3965591158"/>
       </p:ext>
     </p:extLst>
   </p:cSld>
@@ -349,7 +349,7 @@
           <p:cNvPr id="2" name="标题 1">
             <a:extLst>
               <a:ext uri="{FF2B5EF4-FFF2-40B4-BE49-F238E27FC236}">
-                <a16:creationId xmlns:a16="http://schemas.microsoft.com/office/drawing/2014/main" id="{8F5B5A08-CEE5-7AE0-37C1-9D7F580D6684}"/>
+                <a16:creationId xmlns:a16="http://schemas.microsoft.com/office/drawing/2014/main" id="{E9688B21-1102-6899-33F3-408F56BB87EA}"/>
               </a:ext>
             </a:extLst>
           </p:cNvPr>
@@ -377,7 +377,7 @@
           <p:cNvPr id="3" name="竖排文字占位符 2">
             <a:extLst>
               <a:ext uri="{FF2B5EF4-FFF2-40B4-BE49-F238E27FC236}">
-                <a16:creationId xmlns:a16="http://schemas.microsoft.com/office/drawing/2014/main" id="{81806BEC-05BE-AA1B-44EC-1485EB3993D3}"/>
+                <a16:creationId xmlns:a16="http://schemas.microsoft.com/office/drawing/2014/main" id="{E969EF29-9D12-38AE-7ED5-30CA0E729A6E}"/>
               </a:ext>
             </a:extLst>
           </p:cNvPr>
@@ -434,7 +434,7 @@
           <p:cNvPr id="4" name="日期占位符 3">
             <a:extLst>
               <a:ext uri="{FF2B5EF4-FFF2-40B4-BE49-F238E27FC236}">
-                <a16:creationId xmlns:a16="http://schemas.microsoft.com/office/drawing/2014/main" id="{D275ADD1-8645-5F86-C99C-ACF66CD1A2B5}"/>
+                <a16:creationId xmlns:a16="http://schemas.microsoft.com/office/drawing/2014/main" id="{7B2797F2-2BE8-FEC5-0027-B08037775324}"/>
               </a:ext>
             </a:extLst>
           </p:cNvPr>
@@ -450,7 +450,7 @@
           <a:bodyPr/>
           <a:lstStyle/>
           <a:p>
-            <a:fld id="{E56D8CE8-B573-4AFC-B9A4-BA7BA8213378}" type="datetimeFigureOut">
+            <a:fld id="{F4F9F8BD-C80B-40E9-BDF7-419658E5312E}" type="datetimeFigureOut">
               <a:rPr lang="zh-CN" altLang="en-US" smtClean="0"/>
               <a:t>2024/3/10</a:t>
             </a:fld>
@@ -463,7 +463,7 @@
           <p:cNvPr id="5" name="页脚占位符 4">
             <a:extLst>
               <a:ext uri="{FF2B5EF4-FFF2-40B4-BE49-F238E27FC236}">
-                <a16:creationId xmlns:a16="http://schemas.microsoft.com/office/drawing/2014/main" id="{A256BD4A-8BB8-FBC1-AC1B-D9877223E6DF}"/>
+                <a16:creationId xmlns:a16="http://schemas.microsoft.com/office/drawing/2014/main" id="{09EA675F-87C4-A36B-4E4F-6233BCD6CF14}"/>
               </a:ext>
             </a:extLst>
           </p:cNvPr>
@@ -488,7 +488,7 @@
           <p:cNvPr id="6" name="灯片编号占位符 5">
             <a:extLst>
               <a:ext uri="{FF2B5EF4-FFF2-40B4-BE49-F238E27FC236}">
-                <a16:creationId xmlns:a16="http://schemas.microsoft.com/office/drawing/2014/main" id="{3796DC59-E339-7429-26AD-C53E0AE39D08}"/>
+                <a16:creationId xmlns:a16="http://schemas.microsoft.com/office/drawing/2014/main" id="{F49B52BE-8BD5-6A0F-0B93-D3DEC8D4A1F4}"/>
               </a:ext>
             </a:extLst>
           </p:cNvPr>
@@ -504,7 +504,7 @@
           <a:bodyPr/>
           <a:lstStyle/>
           <a:p>
-            <a:fld id="{FF395C1A-EF07-4DCA-A7B0-0510D0477C93}" type="slidenum">
+            <a:fld id="{84E6BC7F-0B71-451C-958C-018440C4D17E}" type="slidenum">
               <a:rPr lang="zh-CN" altLang="en-US" smtClean="0"/>
               <a:t>‹#›</a:t>
             </a:fld>
@@ -515,7 +515,7 @@
     </p:spTree>
     <p:extLst>
       <p:ext uri="{BB962C8B-B14F-4D97-AF65-F5344CB8AC3E}">
-        <p14:creationId xmlns:p14="http://schemas.microsoft.com/office/powerpoint/2010/main" val="1069603025"/>
+        <p14:creationId xmlns:p14="http://schemas.microsoft.com/office/powerpoint/2010/main" val="1872623096"/>
       </p:ext>
     </p:extLst>
   </p:cSld>
@@ -547,7 +547,7 @@
           <p:cNvPr id="2" name="竖排标题 1">
             <a:extLst>
               <a:ext uri="{FF2B5EF4-FFF2-40B4-BE49-F238E27FC236}">
-                <a16:creationId xmlns:a16="http://schemas.microsoft.com/office/drawing/2014/main" id="{EBA0CB7E-CF52-6D18-90BE-D51C345C1EB8}"/>
+                <a16:creationId xmlns:a16="http://schemas.microsoft.com/office/drawing/2014/main" id="{C6C176B2-0A68-061E-AF0C-4401D6C792F2}"/>
               </a:ext>
             </a:extLst>
           </p:cNvPr>
@@ -580,7 +580,7 @@
           <p:cNvPr id="3" name="竖排文字占位符 2">
             <a:extLst>
               <a:ext uri="{FF2B5EF4-FFF2-40B4-BE49-F238E27FC236}">
-                <a16:creationId xmlns:a16="http://schemas.microsoft.com/office/drawing/2014/main" id="{A1202256-F7DC-FC8C-23E4-36E198CE3020}"/>
+                <a16:creationId xmlns:a16="http://schemas.microsoft.com/office/drawing/2014/main" id="{0C8C1720-AD14-5884-C88B-5E13F03533E6}"/>
               </a:ext>
             </a:extLst>
           </p:cNvPr>
@@ -642,7 +642,7 @@
           <p:cNvPr id="4" name="日期占位符 3">
             <a:extLst>
               <a:ext uri="{FF2B5EF4-FFF2-40B4-BE49-F238E27FC236}">
-                <a16:creationId xmlns:a16="http://schemas.microsoft.com/office/drawing/2014/main" id="{58AA8396-2052-C3CA-D704-F8C9714BFBC5}"/>
+                <a16:creationId xmlns:a16="http://schemas.microsoft.com/office/drawing/2014/main" id="{B1FFEE62-96B1-D7CF-1470-DD1255107300}"/>
               </a:ext>
             </a:extLst>
           </p:cNvPr>
@@ -658,7 +658,7 @@
           <a:bodyPr/>
           <a:lstStyle/>
           <a:p>
-            <a:fld id="{E56D8CE8-B573-4AFC-B9A4-BA7BA8213378}" type="datetimeFigureOut">
+            <a:fld id="{F4F9F8BD-C80B-40E9-BDF7-419658E5312E}" type="datetimeFigureOut">
               <a:rPr lang="zh-CN" altLang="en-US" smtClean="0"/>
               <a:t>2024/3/10</a:t>
             </a:fld>
@@ -671,7 +671,7 @@
           <p:cNvPr id="5" name="页脚占位符 4">
             <a:extLst>
               <a:ext uri="{FF2B5EF4-FFF2-40B4-BE49-F238E27FC236}">
-                <a16:creationId xmlns:a16="http://schemas.microsoft.com/office/drawing/2014/main" id="{78107750-6C8B-30A4-3035-1F5244190240}"/>
+                <a16:creationId xmlns:a16="http://schemas.microsoft.com/office/drawing/2014/main" id="{D546422C-3502-B052-2AAC-CBFBDBEE1C3D}"/>
               </a:ext>
             </a:extLst>
           </p:cNvPr>
@@ -696,7 +696,7 @@
           <p:cNvPr id="6" name="灯片编号占位符 5">
             <a:extLst>
               <a:ext uri="{FF2B5EF4-FFF2-40B4-BE49-F238E27FC236}">
-                <a16:creationId xmlns:a16="http://schemas.microsoft.com/office/drawing/2014/main" id="{588C4A96-AAE9-E6F2-DBD1-2A2A4FD83A7A}"/>
+                <a16:creationId xmlns:a16="http://schemas.microsoft.com/office/drawing/2014/main" id="{A546135A-A018-C2C4-DED2-3CEF48C2ADCC}"/>
               </a:ext>
             </a:extLst>
           </p:cNvPr>
@@ -712,7 +712,7 @@
           <a:bodyPr/>
           <a:lstStyle/>
           <a:p>
-            <a:fld id="{FF395C1A-EF07-4DCA-A7B0-0510D0477C93}" type="slidenum">
+            <a:fld id="{84E6BC7F-0B71-451C-958C-018440C4D17E}" type="slidenum">
               <a:rPr lang="zh-CN" altLang="en-US" smtClean="0"/>
               <a:t>‹#›</a:t>
             </a:fld>
@@ -723,7 +723,7 @@
     </p:spTree>
     <p:extLst>
       <p:ext uri="{BB962C8B-B14F-4D97-AF65-F5344CB8AC3E}">
-        <p14:creationId xmlns:p14="http://schemas.microsoft.com/office/powerpoint/2010/main" val="1460671164"/>
+        <p14:creationId xmlns:p14="http://schemas.microsoft.com/office/powerpoint/2010/main" val="4211266541"/>
       </p:ext>
     </p:extLst>
   </p:cSld>
@@ -755,7 +755,7 @@
           <p:cNvPr id="2" name="标题 1">
             <a:extLst>
               <a:ext uri="{FF2B5EF4-FFF2-40B4-BE49-F238E27FC236}">
-                <a16:creationId xmlns:a16="http://schemas.microsoft.com/office/drawing/2014/main" id="{9B4032B2-D7DE-B36C-A882-667093226C03}"/>
+                <a16:creationId xmlns:a16="http://schemas.microsoft.com/office/drawing/2014/main" id="{65E54DFE-2A63-ECBB-388A-CBC5126EEFE7}"/>
               </a:ext>
             </a:extLst>
           </p:cNvPr>
@@ -783,7 +783,7 @@
           <p:cNvPr id="3" name="内容占位符 2">
             <a:extLst>
               <a:ext uri="{FF2B5EF4-FFF2-40B4-BE49-F238E27FC236}">
-                <a16:creationId xmlns:a16="http://schemas.microsoft.com/office/drawing/2014/main" id="{0050F1F9-B6DA-BD39-44BD-B7D9AD52FC3C}"/>
+                <a16:creationId xmlns:a16="http://schemas.microsoft.com/office/drawing/2014/main" id="{B440C251-B813-806B-1540-0FF2B4ADBC37}"/>
               </a:ext>
             </a:extLst>
           </p:cNvPr>
@@ -840,7 +840,7 @@
           <p:cNvPr id="4" name="日期占位符 3">
             <a:extLst>
               <a:ext uri="{FF2B5EF4-FFF2-40B4-BE49-F238E27FC236}">
-                <a16:creationId xmlns:a16="http://schemas.microsoft.com/office/drawing/2014/main" id="{8C7B138A-DB81-9C61-4FE2-2C877FD765FB}"/>
+                <a16:creationId xmlns:a16="http://schemas.microsoft.com/office/drawing/2014/main" id="{77F5DBD2-F806-E7C8-F9E7-21C2614294B1}"/>
               </a:ext>
             </a:extLst>
           </p:cNvPr>
@@ -856,7 +856,7 @@
           <a:bodyPr/>
           <a:lstStyle/>
           <a:p>
-            <a:fld id="{E56D8CE8-B573-4AFC-B9A4-BA7BA8213378}" type="datetimeFigureOut">
+            <a:fld id="{F4F9F8BD-C80B-40E9-BDF7-419658E5312E}" type="datetimeFigureOut">
               <a:rPr lang="zh-CN" altLang="en-US" smtClean="0"/>
               <a:t>2024/3/10</a:t>
             </a:fld>
@@ -869,7 +869,7 @@
           <p:cNvPr id="5" name="页脚占位符 4">
             <a:extLst>
               <a:ext uri="{FF2B5EF4-FFF2-40B4-BE49-F238E27FC236}">
-                <a16:creationId xmlns:a16="http://schemas.microsoft.com/office/drawing/2014/main" id="{853B82CB-4360-71C1-2A40-8ECC44FE5460}"/>
+                <a16:creationId xmlns:a16="http://schemas.microsoft.com/office/drawing/2014/main" id="{540994D6-2B48-F942-0F4F-0D1018A2A36C}"/>
               </a:ext>
             </a:extLst>
           </p:cNvPr>
@@ -894,7 +894,7 @@
           <p:cNvPr id="6" name="灯片编号占位符 5">
             <a:extLst>
               <a:ext uri="{FF2B5EF4-FFF2-40B4-BE49-F238E27FC236}">
-                <a16:creationId xmlns:a16="http://schemas.microsoft.com/office/drawing/2014/main" id="{AB7D6559-3956-F0F4-8635-B7BFE9626A7B}"/>
+                <a16:creationId xmlns:a16="http://schemas.microsoft.com/office/drawing/2014/main" id="{A2C96B7D-1918-B36C-875C-8B77408A21DF}"/>
               </a:ext>
             </a:extLst>
           </p:cNvPr>
@@ -910,7 +910,7 @@
           <a:bodyPr/>
           <a:lstStyle/>
           <a:p>
-            <a:fld id="{FF395C1A-EF07-4DCA-A7B0-0510D0477C93}" type="slidenum">
+            <a:fld id="{84E6BC7F-0B71-451C-958C-018440C4D17E}" type="slidenum">
               <a:rPr lang="zh-CN" altLang="en-US" smtClean="0"/>
               <a:t>‹#›</a:t>
             </a:fld>
@@ -921,7 +921,7 @@
     </p:spTree>
     <p:extLst>
       <p:ext uri="{BB962C8B-B14F-4D97-AF65-F5344CB8AC3E}">
-        <p14:creationId xmlns:p14="http://schemas.microsoft.com/office/powerpoint/2010/main" val="2519340943"/>
+        <p14:creationId xmlns:p14="http://schemas.microsoft.com/office/powerpoint/2010/main" val="810008866"/>
       </p:ext>
     </p:extLst>
   </p:cSld>
@@ -953,7 +953,7 @@
           <p:cNvPr id="2" name="标题 1">
             <a:extLst>
               <a:ext uri="{FF2B5EF4-FFF2-40B4-BE49-F238E27FC236}">
-                <a16:creationId xmlns:a16="http://schemas.microsoft.com/office/drawing/2014/main" id="{BB05CFF7-9717-79CA-C5AB-C2F5BF5DDF28}"/>
+                <a16:creationId xmlns:a16="http://schemas.microsoft.com/office/drawing/2014/main" id="{2330A77C-2D9C-E40E-9FCA-904B32A570A4}"/>
               </a:ext>
             </a:extLst>
           </p:cNvPr>
@@ -990,7 +990,7 @@
           <p:cNvPr id="3" name="文本占位符 2">
             <a:extLst>
               <a:ext uri="{FF2B5EF4-FFF2-40B4-BE49-F238E27FC236}">
-                <a16:creationId xmlns:a16="http://schemas.microsoft.com/office/drawing/2014/main" id="{2A8F6D06-0C64-808E-7A5F-4450179700B1}"/>
+                <a16:creationId xmlns:a16="http://schemas.microsoft.com/office/drawing/2014/main" id="{872B4CAD-63AA-2670-D835-81A2596FD81A}"/>
               </a:ext>
             </a:extLst>
           </p:cNvPr>
@@ -1115,7 +1115,7 @@
           <p:cNvPr id="4" name="日期占位符 3">
             <a:extLst>
               <a:ext uri="{FF2B5EF4-FFF2-40B4-BE49-F238E27FC236}">
-                <a16:creationId xmlns:a16="http://schemas.microsoft.com/office/drawing/2014/main" id="{3123B61D-73A4-5F0B-23FE-454E38E4895E}"/>
+                <a16:creationId xmlns:a16="http://schemas.microsoft.com/office/drawing/2014/main" id="{64D08A77-6AF9-D440-D3F9-1C3C04266858}"/>
               </a:ext>
             </a:extLst>
           </p:cNvPr>
@@ -1131,7 +1131,7 @@
           <a:bodyPr/>
           <a:lstStyle/>
           <a:p>
-            <a:fld id="{E56D8CE8-B573-4AFC-B9A4-BA7BA8213378}" type="datetimeFigureOut">
+            <a:fld id="{F4F9F8BD-C80B-40E9-BDF7-419658E5312E}" type="datetimeFigureOut">
               <a:rPr lang="zh-CN" altLang="en-US" smtClean="0"/>
               <a:t>2024/3/10</a:t>
             </a:fld>
@@ -1144,7 +1144,7 @@
           <p:cNvPr id="5" name="页脚占位符 4">
             <a:extLst>
               <a:ext uri="{FF2B5EF4-FFF2-40B4-BE49-F238E27FC236}">
-                <a16:creationId xmlns:a16="http://schemas.microsoft.com/office/drawing/2014/main" id="{A474439A-EAA9-3FF7-7FB0-3D5164A2C316}"/>
+                <a16:creationId xmlns:a16="http://schemas.microsoft.com/office/drawing/2014/main" id="{8BB2BB4F-5A95-062F-848E-016178F72082}"/>
               </a:ext>
             </a:extLst>
           </p:cNvPr>
@@ -1169,7 +1169,7 @@
           <p:cNvPr id="6" name="灯片编号占位符 5">
             <a:extLst>
               <a:ext uri="{FF2B5EF4-FFF2-40B4-BE49-F238E27FC236}">
-                <a16:creationId xmlns:a16="http://schemas.microsoft.com/office/drawing/2014/main" id="{89CA176C-0A8D-CB14-DE14-37AFF75A1A2C}"/>
+                <a16:creationId xmlns:a16="http://schemas.microsoft.com/office/drawing/2014/main" id="{657F14D4-6D7B-DB06-18AF-9BCCCA14AF1B}"/>
               </a:ext>
             </a:extLst>
           </p:cNvPr>
@@ -1185,7 +1185,7 @@
           <a:bodyPr/>
           <a:lstStyle/>
           <a:p>
-            <a:fld id="{FF395C1A-EF07-4DCA-A7B0-0510D0477C93}" type="slidenum">
+            <a:fld id="{84E6BC7F-0B71-451C-958C-018440C4D17E}" type="slidenum">
               <a:rPr lang="zh-CN" altLang="en-US" smtClean="0"/>
               <a:t>‹#›</a:t>
             </a:fld>
@@ -1196,7 +1196,7 @@
     </p:spTree>
     <p:extLst>
       <p:ext uri="{BB962C8B-B14F-4D97-AF65-F5344CB8AC3E}">
-        <p14:creationId xmlns:p14="http://schemas.microsoft.com/office/powerpoint/2010/main" val="891652157"/>
+        <p14:creationId xmlns:p14="http://schemas.microsoft.com/office/powerpoint/2010/main" val="1181702589"/>
       </p:ext>
     </p:extLst>
   </p:cSld>
@@ -1228,7 +1228,7 @@
           <p:cNvPr id="2" name="标题 1">
             <a:extLst>
               <a:ext uri="{FF2B5EF4-FFF2-40B4-BE49-F238E27FC236}">
-                <a16:creationId xmlns:a16="http://schemas.microsoft.com/office/drawing/2014/main" id="{E7EB1AFC-B335-7F53-BE09-33ED65A5E2EC}"/>
+                <a16:creationId xmlns:a16="http://schemas.microsoft.com/office/drawing/2014/main" id="{C5C41DA0-8781-F8AF-2631-C820F3711C75}"/>
               </a:ext>
             </a:extLst>
           </p:cNvPr>
@@ -1256,7 +1256,7 @@
           <p:cNvPr id="3" name="内容占位符 2">
             <a:extLst>
               <a:ext uri="{FF2B5EF4-FFF2-40B4-BE49-F238E27FC236}">
-                <a16:creationId xmlns:a16="http://schemas.microsoft.com/office/drawing/2014/main" id="{F43FA251-8E2A-8F76-26B6-11CF323BE5EF}"/>
+                <a16:creationId xmlns:a16="http://schemas.microsoft.com/office/drawing/2014/main" id="{86DD4C59-ADF6-52B4-0603-9BF5A503BE36}"/>
               </a:ext>
             </a:extLst>
           </p:cNvPr>
@@ -1318,7 +1318,7 @@
           <p:cNvPr id="4" name="内容占位符 3">
             <a:extLst>
               <a:ext uri="{FF2B5EF4-FFF2-40B4-BE49-F238E27FC236}">
-                <a16:creationId xmlns:a16="http://schemas.microsoft.com/office/drawing/2014/main" id="{FCDDEC45-7E5A-80EE-463F-555A23218640}"/>
+                <a16:creationId xmlns:a16="http://schemas.microsoft.com/office/drawing/2014/main" id="{450986FA-E28C-847C-8A15-4D714C6AA411}"/>
               </a:ext>
             </a:extLst>
           </p:cNvPr>
@@ -1380,7 +1380,7 @@
           <p:cNvPr id="5" name="日期占位符 4">
             <a:extLst>
               <a:ext uri="{FF2B5EF4-FFF2-40B4-BE49-F238E27FC236}">
-                <a16:creationId xmlns:a16="http://schemas.microsoft.com/office/drawing/2014/main" id="{280F6B71-A4EA-EB81-8CEE-AA4781F97720}"/>
+                <a16:creationId xmlns:a16="http://schemas.microsoft.com/office/drawing/2014/main" id="{654460EC-0A6A-8BDC-014F-38F7A4F920FE}"/>
               </a:ext>
             </a:extLst>
           </p:cNvPr>
@@ -1396,7 +1396,7 @@
           <a:bodyPr/>
           <a:lstStyle/>
           <a:p>
-            <a:fld id="{E56D8CE8-B573-4AFC-B9A4-BA7BA8213378}" type="datetimeFigureOut">
+            <a:fld id="{F4F9F8BD-C80B-40E9-BDF7-419658E5312E}" type="datetimeFigureOut">
               <a:rPr lang="zh-CN" altLang="en-US" smtClean="0"/>
               <a:t>2024/3/10</a:t>
             </a:fld>
@@ -1409,7 +1409,7 @@
           <p:cNvPr id="6" name="页脚占位符 5">
             <a:extLst>
               <a:ext uri="{FF2B5EF4-FFF2-40B4-BE49-F238E27FC236}">
-                <a16:creationId xmlns:a16="http://schemas.microsoft.com/office/drawing/2014/main" id="{0097BD1F-D1D4-6FC5-5256-42EA68C56D47}"/>
+                <a16:creationId xmlns:a16="http://schemas.microsoft.com/office/drawing/2014/main" id="{91BB7067-E5DA-AE44-E14D-0CA91C1B6CBB}"/>
               </a:ext>
             </a:extLst>
           </p:cNvPr>
@@ -1434,7 +1434,7 @@
           <p:cNvPr id="7" name="灯片编号占位符 6">
             <a:extLst>
               <a:ext uri="{FF2B5EF4-FFF2-40B4-BE49-F238E27FC236}">
-                <a16:creationId xmlns:a16="http://schemas.microsoft.com/office/drawing/2014/main" id="{78B68714-A5BC-007A-6097-D42E80F03469}"/>
+                <a16:creationId xmlns:a16="http://schemas.microsoft.com/office/drawing/2014/main" id="{9D9103AD-DD7B-AFFB-4C7E-C8A646265CDA}"/>
               </a:ext>
             </a:extLst>
           </p:cNvPr>
@@ -1450,7 +1450,7 @@
           <a:bodyPr/>
           <a:lstStyle/>
           <a:p>
-            <a:fld id="{FF395C1A-EF07-4DCA-A7B0-0510D0477C93}" type="slidenum">
+            <a:fld id="{84E6BC7F-0B71-451C-958C-018440C4D17E}" type="slidenum">
               <a:rPr lang="zh-CN" altLang="en-US" smtClean="0"/>
               <a:t>‹#›</a:t>
             </a:fld>
@@ -1461,7 +1461,7 @@
     </p:spTree>
     <p:extLst>
       <p:ext uri="{BB962C8B-B14F-4D97-AF65-F5344CB8AC3E}">
-        <p14:creationId xmlns:p14="http://schemas.microsoft.com/office/powerpoint/2010/main" val="4031832224"/>
+        <p14:creationId xmlns:p14="http://schemas.microsoft.com/office/powerpoint/2010/main" val="3526917846"/>
       </p:ext>
     </p:extLst>
   </p:cSld>
@@ -1493,7 +1493,7 @@
           <p:cNvPr id="2" name="标题 1">
             <a:extLst>
               <a:ext uri="{FF2B5EF4-FFF2-40B4-BE49-F238E27FC236}">
-                <a16:creationId xmlns:a16="http://schemas.microsoft.com/office/drawing/2014/main" id="{A68E40D1-55D8-E2BF-8371-592973EA059F}"/>
+                <a16:creationId xmlns:a16="http://schemas.microsoft.com/office/drawing/2014/main" id="{DE121636-1F28-1200-0C5B-807ED06C203E}"/>
               </a:ext>
             </a:extLst>
           </p:cNvPr>
@@ -1526,7 +1526,7 @@
           <p:cNvPr id="3" name="文本占位符 2">
             <a:extLst>
               <a:ext uri="{FF2B5EF4-FFF2-40B4-BE49-F238E27FC236}">
-                <a16:creationId xmlns:a16="http://schemas.microsoft.com/office/drawing/2014/main" id="{5A60BA13-E900-7383-2095-55A0FCEB174C}"/>
+                <a16:creationId xmlns:a16="http://schemas.microsoft.com/office/drawing/2014/main" id="{C129010D-9751-3063-B869-85DC4E632B85}"/>
               </a:ext>
             </a:extLst>
           </p:cNvPr>
@@ -1597,7 +1597,7 @@
           <p:cNvPr id="4" name="内容占位符 3">
             <a:extLst>
               <a:ext uri="{FF2B5EF4-FFF2-40B4-BE49-F238E27FC236}">
-                <a16:creationId xmlns:a16="http://schemas.microsoft.com/office/drawing/2014/main" id="{BB7173D2-7BC1-E305-9364-0EADC62AF222}"/>
+                <a16:creationId xmlns:a16="http://schemas.microsoft.com/office/drawing/2014/main" id="{7223EFCF-0BE1-4CC4-097F-80C232115BFE}"/>
               </a:ext>
             </a:extLst>
           </p:cNvPr>
@@ -1659,7 +1659,7 @@
           <p:cNvPr id="5" name="文本占位符 4">
             <a:extLst>
               <a:ext uri="{FF2B5EF4-FFF2-40B4-BE49-F238E27FC236}">
-                <a16:creationId xmlns:a16="http://schemas.microsoft.com/office/drawing/2014/main" id="{8B8D8F68-438C-196B-C3DF-6E362DFDFFFA}"/>
+                <a16:creationId xmlns:a16="http://schemas.microsoft.com/office/drawing/2014/main" id="{55ED7576-47F7-DDEF-382A-2F55C2957671}"/>
               </a:ext>
             </a:extLst>
           </p:cNvPr>
@@ -1730,7 +1730,7 @@
           <p:cNvPr id="6" name="内容占位符 5">
             <a:extLst>
               <a:ext uri="{FF2B5EF4-FFF2-40B4-BE49-F238E27FC236}">
-                <a16:creationId xmlns:a16="http://schemas.microsoft.com/office/drawing/2014/main" id="{CD7729E5-6999-C9EE-42E9-5100C557C1B2}"/>
+                <a16:creationId xmlns:a16="http://schemas.microsoft.com/office/drawing/2014/main" id="{4AFC312C-57D5-7A8B-B657-43BF5AE5AFBC}"/>
               </a:ext>
             </a:extLst>
           </p:cNvPr>
@@ -1792,7 +1792,7 @@
           <p:cNvPr id="7" name="日期占位符 6">
             <a:extLst>
               <a:ext uri="{FF2B5EF4-FFF2-40B4-BE49-F238E27FC236}">
-                <a16:creationId xmlns:a16="http://schemas.microsoft.com/office/drawing/2014/main" id="{C050F81C-3973-FC37-0E43-2063E683116D}"/>
+                <a16:creationId xmlns:a16="http://schemas.microsoft.com/office/drawing/2014/main" id="{2C738B39-E074-C573-EB16-98D563E5EF80}"/>
               </a:ext>
             </a:extLst>
           </p:cNvPr>
@@ -1808,7 +1808,7 @@
           <a:bodyPr/>
           <a:lstStyle/>
           <a:p>
-            <a:fld id="{E56D8CE8-B573-4AFC-B9A4-BA7BA8213378}" type="datetimeFigureOut">
+            <a:fld id="{F4F9F8BD-C80B-40E9-BDF7-419658E5312E}" type="datetimeFigureOut">
               <a:rPr lang="zh-CN" altLang="en-US" smtClean="0"/>
               <a:t>2024/3/10</a:t>
             </a:fld>
@@ -1821,7 +1821,7 @@
           <p:cNvPr id="8" name="页脚占位符 7">
             <a:extLst>
               <a:ext uri="{FF2B5EF4-FFF2-40B4-BE49-F238E27FC236}">
-                <a16:creationId xmlns:a16="http://schemas.microsoft.com/office/drawing/2014/main" id="{4A7FC40F-4168-5B49-C986-B53765C76D97}"/>
+                <a16:creationId xmlns:a16="http://schemas.microsoft.com/office/drawing/2014/main" id="{1A996FC0-3DD9-7A83-0232-B386AD9A579D}"/>
               </a:ext>
             </a:extLst>
           </p:cNvPr>
@@ -1846,7 +1846,7 @@
           <p:cNvPr id="9" name="灯片编号占位符 8">
             <a:extLst>
               <a:ext uri="{FF2B5EF4-FFF2-40B4-BE49-F238E27FC236}">
-                <a16:creationId xmlns:a16="http://schemas.microsoft.com/office/drawing/2014/main" id="{F4FA0C58-62B0-1A1C-7376-4CB418195321}"/>
+                <a16:creationId xmlns:a16="http://schemas.microsoft.com/office/drawing/2014/main" id="{A9CB4326-22DF-715F-D500-1CDF6CD69E6A}"/>
               </a:ext>
             </a:extLst>
           </p:cNvPr>
@@ -1862,7 +1862,7 @@
           <a:bodyPr/>
           <a:lstStyle/>
           <a:p>
-            <a:fld id="{FF395C1A-EF07-4DCA-A7B0-0510D0477C93}" type="slidenum">
+            <a:fld id="{84E6BC7F-0B71-451C-958C-018440C4D17E}" type="slidenum">
               <a:rPr lang="zh-CN" altLang="en-US" smtClean="0"/>
               <a:t>‹#›</a:t>
             </a:fld>
@@ -1873,7 +1873,7 @@
     </p:spTree>
     <p:extLst>
       <p:ext uri="{BB962C8B-B14F-4D97-AF65-F5344CB8AC3E}">
-        <p14:creationId xmlns:p14="http://schemas.microsoft.com/office/powerpoint/2010/main" val="2214910493"/>
+        <p14:creationId xmlns:p14="http://schemas.microsoft.com/office/powerpoint/2010/main" val="591485184"/>
       </p:ext>
     </p:extLst>
   </p:cSld>
@@ -1905,7 +1905,7 @@
           <p:cNvPr id="2" name="标题 1">
             <a:extLst>
               <a:ext uri="{FF2B5EF4-FFF2-40B4-BE49-F238E27FC236}">
-                <a16:creationId xmlns:a16="http://schemas.microsoft.com/office/drawing/2014/main" id="{86FB9B50-0931-C137-1B04-204F28203F35}"/>
+                <a16:creationId xmlns:a16="http://schemas.microsoft.com/office/drawing/2014/main" id="{AD95E6A3-3105-FC91-4F00-9615D7026BB7}"/>
               </a:ext>
             </a:extLst>
           </p:cNvPr>
@@ -1933,7 +1933,7 @@
           <p:cNvPr id="3" name="日期占位符 2">
             <a:extLst>
               <a:ext uri="{FF2B5EF4-FFF2-40B4-BE49-F238E27FC236}">
-                <a16:creationId xmlns:a16="http://schemas.microsoft.com/office/drawing/2014/main" id="{D401DB9C-EB42-873C-328C-D0B55B058083}"/>
+                <a16:creationId xmlns:a16="http://schemas.microsoft.com/office/drawing/2014/main" id="{8C670A02-CBCF-B84E-1E08-EA08DDFD1991}"/>
               </a:ext>
             </a:extLst>
           </p:cNvPr>
@@ -1949,7 +1949,7 @@
           <a:bodyPr/>
           <a:lstStyle/>
           <a:p>
-            <a:fld id="{E56D8CE8-B573-4AFC-B9A4-BA7BA8213378}" type="datetimeFigureOut">
+            <a:fld id="{F4F9F8BD-C80B-40E9-BDF7-419658E5312E}" type="datetimeFigureOut">
               <a:rPr lang="zh-CN" altLang="en-US" smtClean="0"/>
               <a:t>2024/3/10</a:t>
             </a:fld>
@@ -1962,7 +1962,7 @@
           <p:cNvPr id="4" name="页脚占位符 3">
             <a:extLst>
               <a:ext uri="{FF2B5EF4-FFF2-40B4-BE49-F238E27FC236}">
-                <a16:creationId xmlns:a16="http://schemas.microsoft.com/office/drawing/2014/main" id="{EA69FAB5-50EB-0910-BC10-EA82F1AC1BEE}"/>
+                <a16:creationId xmlns:a16="http://schemas.microsoft.com/office/drawing/2014/main" id="{74814F2D-9739-A3FB-FC88-90A2DC687C0F}"/>
               </a:ext>
             </a:extLst>
           </p:cNvPr>
@@ -1987,7 +1987,7 @@
           <p:cNvPr id="5" name="灯片编号占位符 4">
             <a:extLst>
               <a:ext uri="{FF2B5EF4-FFF2-40B4-BE49-F238E27FC236}">
-                <a16:creationId xmlns:a16="http://schemas.microsoft.com/office/drawing/2014/main" id="{C3567A4F-C5ED-EA4D-64D7-0F7FF3F89817}"/>
+                <a16:creationId xmlns:a16="http://schemas.microsoft.com/office/drawing/2014/main" id="{479177CC-AA9D-CEE8-B79C-8013D5F93012}"/>
               </a:ext>
             </a:extLst>
           </p:cNvPr>
@@ -2003,7 +2003,7 @@
           <a:bodyPr/>
           <a:lstStyle/>
           <a:p>
-            <a:fld id="{FF395C1A-EF07-4DCA-A7B0-0510D0477C93}" type="slidenum">
+            <a:fld id="{84E6BC7F-0B71-451C-958C-018440C4D17E}" type="slidenum">
               <a:rPr lang="zh-CN" altLang="en-US" smtClean="0"/>
               <a:t>‹#›</a:t>
             </a:fld>
@@ -2014,7 +2014,7 @@
     </p:spTree>
     <p:extLst>
       <p:ext uri="{BB962C8B-B14F-4D97-AF65-F5344CB8AC3E}">
-        <p14:creationId xmlns:p14="http://schemas.microsoft.com/office/powerpoint/2010/main" val="315997660"/>
+        <p14:creationId xmlns:p14="http://schemas.microsoft.com/office/powerpoint/2010/main" val="3986230465"/>
       </p:ext>
     </p:extLst>
   </p:cSld>
@@ -2046,7 +2046,7 @@
           <p:cNvPr id="2" name="日期占位符 1">
             <a:extLst>
               <a:ext uri="{FF2B5EF4-FFF2-40B4-BE49-F238E27FC236}">
-                <a16:creationId xmlns:a16="http://schemas.microsoft.com/office/drawing/2014/main" id="{C25754E6-1F9D-9DB9-499E-F46F8919A79C}"/>
+                <a16:creationId xmlns:a16="http://schemas.microsoft.com/office/drawing/2014/main" id="{7C1FAE2B-A40D-98A3-9BEA-EAD1A7B2FD62}"/>
               </a:ext>
             </a:extLst>
           </p:cNvPr>
@@ -2062,7 +2062,7 @@
           <a:bodyPr/>
           <a:lstStyle/>
           <a:p>
-            <a:fld id="{E56D8CE8-B573-4AFC-B9A4-BA7BA8213378}" type="datetimeFigureOut">
+            <a:fld id="{F4F9F8BD-C80B-40E9-BDF7-419658E5312E}" type="datetimeFigureOut">
               <a:rPr lang="zh-CN" altLang="en-US" smtClean="0"/>
               <a:t>2024/3/10</a:t>
             </a:fld>
@@ -2075,7 +2075,7 @@
           <p:cNvPr id="3" name="页脚占位符 2">
             <a:extLst>
               <a:ext uri="{FF2B5EF4-FFF2-40B4-BE49-F238E27FC236}">
-                <a16:creationId xmlns:a16="http://schemas.microsoft.com/office/drawing/2014/main" id="{C174FE5D-31DF-E8FC-BD74-6AC54CB2AF37}"/>
+                <a16:creationId xmlns:a16="http://schemas.microsoft.com/office/drawing/2014/main" id="{9431D40E-B9AB-3BAD-38D4-13D14A396402}"/>
               </a:ext>
             </a:extLst>
           </p:cNvPr>
@@ -2100,7 +2100,7 @@
           <p:cNvPr id="4" name="灯片编号占位符 3">
             <a:extLst>
               <a:ext uri="{FF2B5EF4-FFF2-40B4-BE49-F238E27FC236}">
-                <a16:creationId xmlns:a16="http://schemas.microsoft.com/office/drawing/2014/main" id="{4F87BB78-900F-DB4D-99A6-86828C8DADB2}"/>
+                <a16:creationId xmlns:a16="http://schemas.microsoft.com/office/drawing/2014/main" id="{01754384-9217-2210-FDC2-52D1515A0828}"/>
               </a:ext>
             </a:extLst>
           </p:cNvPr>
@@ -2116,7 +2116,7 @@
           <a:bodyPr/>
           <a:lstStyle/>
           <a:p>
-            <a:fld id="{FF395C1A-EF07-4DCA-A7B0-0510D0477C93}" type="slidenum">
+            <a:fld id="{84E6BC7F-0B71-451C-958C-018440C4D17E}" type="slidenum">
               <a:rPr lang="zh-CN" altLang="en-US" smtClean="0"/>
               <a:t>‹#›</a:t>
             </a:fld>
@@ -2127,7 +2127,7 @@
     </p:spTree>
     <p:extLst>
       <p:ext uri="{BB962C8B-B14F-4D97-AF65-F5344CB8AC3E}">
-        <p14:creationId xmlns:p14="http://schemas.microsoft.com/office/powerpoint/2010/main" val="568839341"/>
+        <p14:creationId xmlns:p14="http://schemas.microsoft.com/office/powerpoint/2010/main" val="577083393"/>
       </p:ext>
     </p:extLst>
   </p:cSld>
@@ -2159,7 +2159,7 @@
           <p:cNvPr id="2" name="标题 1">
             <a:extLst>
               <a:ext uri="{FF2B5EF4-FFF2-40B4-BE49-F238E27FC236}">
-                <a16:creationId xmlns:a16="http://schemas.microsoft.com/office/drawing/2014/main" id="{64C5D04D-A205-1CD1-B09B-11B62125F42A}"/>
+                <a16:creationId xmlns:a16="http://schemas.microsoft.com/office/drawing/2014/main" id="{0CBB5B5C-FEE8-D289-28D1-187463EF4F0A}"/>
               </a:ext>
             </a:extLst>
           </p:cNvPr>
@@ -2196,7 +2196,7 @@
           <p:cNvPr id="3" name="内容占位符 2">
             <a:extLst>
               <a:ext uri="{FF2B5EF4-FFF2-40B4-BE49-F238E27FC236}">
-                <a16:creationId xmlns:a16="http://schemas.microsoft.com/office/drawing/2014/main" id="{0C93427F-FAA6-D194-5746-6E39530D058C}"/>
+                <a16:creationId xmlns:a16="http://schemas.microsoft.com/office/drawing/2014/main" id="{EF452F9C-B588-8A2A-0F79-E5907114EB7E}"/>
               </a:ext>
             </a:extLst>
           </p:cNvPr>
@@ -2286,7 +2286,7 @@
           <p:cNvPr id="4" name="文本占位符 3">
             <a:extLst>
               <a:ext uri="{FF2B5EF4-FFF2-40B4-BE49-F238E27FC236}">
-                <a16:creationId xmlns:a16="http://schemas.microsoft.com/office/drawing/2014/main" id="{37511B6D-A84D-E696-6A2D-E418E7F60329}"/>
+                <a16:creationId xmlns:a16="http://schemas.microsoft.com/office/drawing/2014/main" id="{AC227F3F-570A-FE2A-52E3-3F5111635B96}"/>
               </a:ext>
             </a:extLst>
           </p:cNvPr>
@@ -2357,7 +2357,7 @@
           <p:cNvPr id="5" name="日期占位符 4">
             <a:extLst>
               <a:ext uri="{FF2B5EF4-FFF2-40B4-BE49-F238E27FC236}">
-                <a16:creationId xmlns:a16="http://schemas.microsoft.com/office/drawing/2014/main" id="{225A2D66-8383-2FF6-D829-B6D934DDEFE2}"/>
+                <a16:creationId xmlns:a16="http://schemas.microsoft.com/office/drawing/2014/main" id="{2877AD4E-F60D-D0EB-546B-61D8BB0C99B1}"/>
               </a:ext>
             </a:extLst>
           </p:cNvPr>
@@ -2373,7 +2373,7 @@
           <a:bodyPr/>
           <a:lstStyle/>
           <a:p>
-            <a:fld id="{E56D8CE8-B573-4AFC-B9A4-BA7BA8213378}" type="datetimeFigureOut">
+            <a:fld id="{F4F9F8BD-C80B-40E9-BDF7-419658E5312E}" type="datetimeFigureOut">
               <a:rPr lang="zh-CN" altLang="en-US" smtClean="0"/>
               <a:t>2024/3/10</a:t>
             </a:fld>
@@ -2386,7 +2386,7 @@
           <p:cNvPr id="6" name="页脚占位符 5">
             <a:extLst>
               <a:ext uri="{FF2B5EF4-FFF2-40B4-BE49-F238E27FC236}">
-                <a16:creationId xmlns:a16="http://schemas.microsoft.com/office/drawing/2014/main" id="{784B1649-D15D-2631-17E9-75F62C7722F4}"/>
+                <a16:creationId xmlns:a16="http://schemas.microsoft.com/office/drawing/2014/main" id="{A8FEDB92-7DA6-1F3C-18D8-8D0EA76A8F10}"/>
               </a:ext>
             </a:extLst>
           </p:cNvPr>
@@ -2411,7 +2411,7 @@
           <p:cNvPr id="7" name="灯片编号占位符 6">
             <a:extLst>
               <a:ext uri="{FF2B5EF4-FFF2-40B4-BE49-F238E27FC236}">
-                <a16:creationId xmlns:a16="http://schemas.microsoft.com/office/drawing/2014/main" id="{DA14FB0A-D188-9999-30E7-44C095FDFDFD}"/>
+                <a16:creationId xmlns:a16="http://schemas.microsoft.com/office/drawing/2014/main" id="{3FD97A43-57D3-CA1A-F875-65A40F9DE488}"/>
               </a:ext>
             </a:extLst>
           </p:cNvPr>
@@ -2427,7 +2427,7 @@
           <a:bodyPr/>
           <a:lstStyle/>
           <a:p>
-            <a:fld id="{FF395C1A-EF07-4DCA-A7B0-0510D0477C93}" type="slidenum">
+            <a:fld id="{84E6BC7F-0B71-451C-958C-018440C4D17E}" type="slidenum">
               <a:rPr lang="zh-CN" altLang="en-US" smtClean="0"/>
               <a:t>‹#›</a:t>
             </a:fld>
@@ -2438,7 +2438,7 @@
     </p:spTree>
     <p:extLst>
       <p:ext uri="{BB962C8B-B14F-4D97-AF65-F5344CB8AC3E}">
-        <p14:creationId xmlns:p14="http://schemas.microsoft.com/office/powerpoint/2010/main" val="3652017930"/>
+        <p14:creationId xmlns:p14="http://schemas.microsoft.com/office/powerpoint/2010/main" val="2878040034"/>
       </p:ext>
     </p:extLst>
   </p:cSld>
@@ -2470,7 +2470,7 @@
           <p:cNvPr id="2" name="标题 1">
             <a:extLst>
               <a:ext uri="{FF2B5EF4-FFF2-40B4-BE49-F238E27FC236}">
-                <a16:creationId xmlns:a16="http://schemas.microsoft.com/office/drawing/2014/main" id="{CA01448D-F621-38FB-2B92-E352127C5477}"/>
+                <a16:creationId xmlns:a16="http://schemas.microsoft.com/office/drawing/2014/main" id="{6F2E55EF-2CD6-A24F-3E85-54ACA8B38056}"/>
               </a:ext>
             </a:extLst>
           </p:cNvPr>
@@ -2507,7 +2507,7 @@
           <p:cNvPr id="3" name="图片占位符 2">
             <a:extLst>
               <a:ext uri="{FF2B5EF4-FFF2-40B4-BE49-F238E27FC236}">
-                <a16:creationId xmlns:a16="http://schemas.microsoft.com/office/drawing/2014/main" id="{D0B6A25B-8D52-3024-CFE5-1532B901B1E2}"/>
+                <a16:creationId xmlns:a16="http://schemas.microsoft.com/office/drawing/2014/main" id="{A62286D4-751C-6645-E8DC-7A2EEFF19D19}"/>
               </a:ext>
             </a:extLst>
           </p:cNvPr>
@@ -2574,7 +2574,7 @@
           <p:cNvPr id="4" name="文本占位符 3">
             <a:extLst>
               <a:ext uri="{FF2B5EF4-FFF2-40B4-BE49-F238E27FC236}">
-                <a16:creationId xmlns:a16="http://schemas.microsoft.com/office/drawing/2014/main" id="{611906B9-66D0-F361-B9CA-71CB9E498F52}"/>
+                <a16:creationId xmlns:a16="http://schemas.microsoft.com/office/drawing/2014/main" id="{9AFCF7EF-93AE-37E3-607E-89897BE5110E}"/>
               </a:ext>
             </a:extLst>
           </p:cNvPr>
@@ -2645,7 +2645,7 @@
           <p:cNvPr id="5" name="日期占位符 4">
             <a:extLst>
               <a:ext uri="{FF2B5EF4-FFF2-40B4-BE49-F238E27FC236}">
-                <a16:creationId xmlns:a16="http://schemas.microsoft.com/office/drawing/2014/main" id="{4B08754B-6F5E-82A3-4251-A7D22C03E126}"/>
+                <a16:creationId xmlns:a16="http://schemas.microsoft.com/office/drawing/2014/main" id="{594C960B-F629-8F3E-8C11-68411F6214CA}"/>
               </a:ext>
             </a:extLst>
           </p:cNvPr>
@@ -2661,7 +2661,7 @@
           <a:bodyPr/>
           <a:lstStyle/>
           <a:p>
-            <a:fld id="{E56D8CE8-B573-4AFC-B9A4-BA7BA8213378}" type="datetimeFigureOut">
+            <a:fld id="{F4F9F8BD-C80B-40E9-BDF7-419658E5312E}" type="datetimeFigureOut">
               <a:rPr lang="zh-CN" altLang="en-US" smtClean="0"/>
               <a:t>2024/3/10</a:t>
             </a:fld>
@@ -2674,7 +2674,7 @@
           <p:cNvPr id="6" name="页脚占位符 5">
             <a:extLst>
               <a:ext uri="{FF2B5EF4-FFF2-40B4-BE49-F238E27FC236}">
-                <a16:creationId xmlns:a16="http://schemas.microsoft.com/office/drawing/2014/main" id="{FB94D579-4D3F-578B-0DFB-8026F242F70F}"/>
+                <a16:creationId xmlns:a16="http://schemas.microsoft.com/office/drawing/2014/main" id="{A66F0340-C31F-4DB5-7902-9424D4F1365C}"/>
               </a:ext>
             </a:extLst>
           </p:cNvPr>
@@ -2699,7 +2699,7 @@
           <p:cNvPr id="7" name="灯片编号占位符 6">
             <a:extLst>
               <a:ext uri="{FF2B5EF4-FFF2-40B4-BE49-F238E27FC236}">
-                <a16:creationId xmlns:a16="http://schemas.microsoft.com/office/drawing/2014/main" id="{228A8F1C-37B9-92A9-A6B5-F7678D4D0ED3}"/>
+                <a16:creationId xmlns:a16="http://schemas.microsoft.com/office/drawing/2014/main" id="{49D4FB9D-ADBB-5F58-E3D4-0CE46475D4FF}"/>
               </a:ext>
             </a:extLst>
           </p:cNvPr>
@@ -2715,7 +2715,7 @@
           <a:bodyPr/>
           <a:lstStyle/>
           <a:p>
-            <a:fld id="{FF395C1A-EF07-4DCA-A7B0-0510D0477C93}" type="slidenum">
+            <a:fld id="{84E6BC7F-0B71-451C-958C-018440C4D17E}" type="slidenum">
               <a:rPr lang="zh-CN" altLang="en-US" smtClean="0"/>
               <a:t>‹#›</a:t>
             </a:fld>
@@ -2726,7 +2726,7 @@
     </p:spTree>
     <p:extLst>
       <p:ext uri="{BB962C8B-B14F-4D97-AF65-F5344CB8AC3E}">
-        <p14:creationId xmlns:p14="http://schemas.microsoft.com/office/powerpoint/2010/main" val="703154322"/>
+        <p14:creationId xmlns:p14="http://schemas.microsoft.com/office/powerpoint/2010/main" val="1024537999"/>
       </p:ext>
     </p:extLst>
   </p:cSld>
@@ -2763,7 +2763,7 @@
           <p:cNvPr id="2" name="标题占位符 1">
             <a:extLst>
               <a:ext uri="{FF2B5EF4-FFF2-40B4-BE49-F238E27FC236}">
-                <a16:creationId xmlns:a16="http://schemas.microsoft.com/office/drawing/2014/main" id="{850BAA69-FBDC-CC42-A596-DAD5E612D8AD}"/>
+                <a16:creationId xmlns:a16="http://schemas.microsoft.com/office/drawing/2014/main" id="{300CD9C6-7DDD-54CE-E679-F81FD27F2731}"/>
               </a:ext>
             </a:extLst>
           </p:cNvPr>
@@ -2801,7 +2801,7 @@
           <p:cNvPr id="3" name="文本占位符 2">
             <a:extLst>
               <a:ext uri="{FF2B5EF4-FFF2-40B4-BE49-F238E27FC236}">
-                <a16:creationId xmlns:a16="http://schemas.microsoft.com/office/drawing/2014/main" id="{D862F433-037B-6301-5C07-CCBE460AA907}"/>
+                <a16:creationId xmlns:a16="http://schemas.microsoft.com/office/drawing/2014/main" id="{3F75D5EA-A130-88E3-3AAA-CB8457ADAEDE}"/>
               </a:ext>
             </a:extLst>
           </p:cNvPr>
@@ -2868,7 +2868,7 @@
           <p:cNvPr id="4" name="日期占位符 3">
             <a:extLst>
               <a:ext uri="{FF2B5EF4-FFF2-40B4-BE49-F238E27FC236}">
-                <a16:creationId xmlns:a16="http://schemas.microsoft.com/office/drawing/2014/main" id="{7135F6A5-A3AE-C1AB-C363-C9D1484C75B5}"/>
+                <a16:creationId xmlns:a16="http://schemas.microsoft.com/office/drawing/2014/main" id="{AE1E727F-F688-C69C-9304-ECB5C6916009}"/>
               </a:ext>
             </a:extLst>
           </p:cNvPr>
@@ -2902,7 +2902,7 @@
             </a:lvl1pPr>
           </a:lstStyle>
           <a:p>
-            <a:fld id="{E56D8CE8-B573-4AFC-B9A4-BA7BA8213378}" type="datetimeFigureOut">
+            <a:fld id="{F4F9F8BD-C80B-40E9-BDF7-419658E5312E}" type="datetimeFigureOut">
               <a:rPr lang="zh-CN" altLang="en-US" smtClean="0"/>
               <a:t>2024/3/10</a:t>
             </a:fld>
@@ -2915,7 +2915,7 @@
           <p:cNvPr id="5" name="页脚占位符 4">
             <a:extLst>
               <a:ext uri="{FF2B5EF4-FFF2-40B4-BE49-F238E27FC236}">
-                <a16:creationId xmlns:a16="http://schemas.microsoft.com/office/drawing/2014/main" id="{20C19C89-E557-3046-437B-D862BD1258EA}"/>
+                <a16:creationId xmlns:a16="http://schemas.microsoft.com/office/drawing/2014/main" id="{E3BC07B2-6A1D-DE02-A3D4-1B172832FCE0}"/>
               </a:ext>
             </a:extLst>
           </p:cNvPr>
@@ -2958,7 +2958,7 @@
           <p:cNvPr id="6" name="灯片编号占位符 5">
             <a:extLst>
               <a:ext uri="{FF2B5EF4-FFF2-40B4-BE49-F238E27FC236}">
-                <a16:creationId xmlns:a16="http://schemas.microsoft.com/office/drawing/2014/main" id="{FF22D4FC-6521-35FA-0FD3-22E6D0C079A1}"/>
+                <a16:creationId xmlns:a16="http://schemas.microsoft.com/office/drawing/2014/main" id="{DEFA7514-D030-A297-6AE2-853D05B3F609}"/>
               </a:ext>
             </a:extLst>
           </p:cNvPr>
@@ -2992,7 +2992,7 @@
             </a:lvl1pPr>
           </a:lstStyle>
           <a:p>
-            <a:fld id="{FF395C1A-EF07-4DCA-A7B0-0510D0477C93}" type="slidenum">
+            <a:fld id="{84E6BC7F-0B71-451C-958C-018440C4D17E}" type="slidenum">
               <a:rPr lang="zh-CN" altLang="en-US" smtClean="0"/>
               <a:t>‹#›</a:t>
             </a:fld>
@@ -3003,7 +3003,7 @@
     </p:spTree>
     <p:extLst>
       <p:ext uri="{BB962C8B-B14F-4D97-AF65-F5344CB8AC3E}">
-        <p14:creationId xmlns:p14="http://schemas.microsoft.com/office/powerpoint/2010/main" val="3373053623"/>
+        <p14:creationId xmlns:p14="http://schemas.microsoft.com/office/powerpoint/2010/main" val="1418641375"/>
       </p:ext>
     </p:extLst>
   </p:cSld>
